--- a/설계서.pptx
+++ b/설계서.pptx
@@ -8299,7 +8299,7 @@
                 <a:latin typeface="THE바닐라빈B" panose="02020603020101020101" pitchFamily="18" charset="-127"/>
                 <a:ea typeface="THE바닐라빈B" panose="02020603020101020101" pitchFamily="18" charset="-127"/>
               </a:rPr>
-              <a:t>1. </a:t>
+              <a:t>2. </a:t>
             </a:r>
             <a:r>
               <a:rPr lang="ko-KR" altLang="en-US" dirty="0">
